--- a/ppt 16-9/1245.被主爱的青年.pptx
+++ b/ppt 16-9/1245.被主爱的青年.pptx
@@ -5,7 +5,7 @@
     <p:sldMasterId id="2147483648" r:id="rId1"/>
   </p:sldMasterIdLst>
   <p:sldIdLst>
-    <p:sldId id="784" r:id="rId2"/>
+    <p:sldId id="787" r:id="rId2"/>
   </p:sldIdLst>
   <p:sldSz cx="12192000" cy="6858000"/>
   <p:notesSz cx="6858000" cy="9144000"/>
@@ -129,7 +129,7 @@
           <p:cNvPr id="2" name="标题 1">
             <a:extLst>
               <a:ext uri="{FF2B5EF4-FFF2-40B4-BE49-F238E27FC236}">
-                <a16:creationId xmlns:a16="http://schemas.microsoft.com/office/drawing/2014/main" id="{D9020AB4-C44E-06BC-E948-A6F2F951EFB6}"/>
+                <a16:creationId xmlns:a16="http://schemas.microsoft.com/office/drawing/2014/main" id="{762D92AB-9D7A-85FD-CB1F-D05B218E5BA5}"/>
               </a:ext>
             </a:extLst>
           </p:cNvPr>
@@ -166,7 +166,7 @@
           <p:cNvPr id="3" name="副标题 2">
             <a:extLst>
               <a:ext uri="{FF2B5EF4-FFF2-40B4-BE49-F238E27FC236}">
-                <a16:creationId xmlns:a16="http://schemas.microsoft.com/office/drawing/2014/main" id="{6D40E446-89B2-37A7-EE8A-1D9823146030}"/>
+                <a16:creationId xmlns:a16="http://schemas.microsoft.com/office/drawing/2014/main" id="{C1FA056B-EF07-1F4D-261F-B52988131B75}"/>
               </a:ext>
             </a:extLst>
           </p:cNvPr>
@@ -236,7 +236,7 @@
           <p:cNvPr id="4" name="日期占位符 3">
             <a:extLst>
               <a:ext uri="{FF2B5EF4-FFF2-40B4-BE49-F238E27FC236}">
-                <a16:creationId xmlns:a16="http://schemas.microsoft.com/office/drawing/2014/main" id="{51661AA3-BCCC-36A2-D31D-828E2CB87C4E}"/>
+                <a16:creationId xmlns:a16="http://schemas.microsoft.com/office/drawing/2014/main" id="{99A4FD3B-0888-F077-BCBE-2875C4B963DF}"/>
               </a:ext>
             </a:extLst>
           </p:cNvPr>
@@ -252,7 +252,7 @@
           <a:bodyPr/>
           <a:lstStyle/>
           <a:p>
-            <a:fld id="{E68C9421-4EDA-4EE8-98B1-B17048D9A14B}" type="datetimeFigureOut">
+            <a:fld id="{3E6B6196-66D7-47EC-9F45-3448B4C117CF}" type="datetimeFigureOut">
               <a:rPr lang="zh-CN" altLang="en-US" smtClean="0"/>
               <a:t>2024/3/10</a:t>
             </a:fld>
@@ -265,7 +265,7 @@
           <p:cNvPr id="5" name="页脚占位符 4">
             <a:extLst>
               <a:ext uri="{FF2B5EF4-FFF2-40B4-BE49-F238E27FC236}">
-                <a16:creationId xmlns:a16="http://schemas.microsoft.com/office/drawing/2014/main" id="{F7C56CA9-1BB5-BB08-F853-36F52E138B56}"/>
+                <a16:creationId xmlns:a16="http://schemas.microsoft.com/office/drawing/2014/main" id="{BFDEF559-4761-7501-FC61-83B6892F017E}"/>
               </a:ext>
             </a:extLst>
           </p:cNvPr>
@@ -290,7 +290,7 @@
           <p:cNvPr id="6" name="灯片编号占位符 5">
             <a:extLst>
               <a:ext uri="{FF2B5EF4-FFF2-40B4-BE49-F238E27FC236}">
-                <a16:creationId xmlns:a16="http://schemas.microsoft.com/office/drawing/2014/main" id="{E4F290B3-DC62-993A-1AB8-5CCB985CE096}"/>
+                <a16:creationId xmlns:a16="http://schemas.microsoft.com/office/drawing/2014/main" id="{470F7527-F6D2-27DC-DCC3-6EADC77998A3}"/>
               </a:ext>
             </a:extLst>
           </p:cNvPr>
@@ -306,7 +306,7 @@
           <a:bodyPr/>
           <a:lstStyle/>
           <a:p>
-            <a:fld id="{2CCBCA34-48A0-4AC9-A7A1-21ED6EC268F4}" type="slidenum">
+            <a:fld id="{3CE11EA1-E16E-4F86-8CF5-BB2C2ECB1319}" type="slidenum">
               <a:rPr lang="zh-CN" altLang="en-US" smtClean="0"/>
               <a:t>‹#›</a:t>
             </a:fld>
@@ -317,7 +317,7 @@
     </p:spTree>
     <p:extLst>
       <p:ext uri="{BB962C8B-B14F-4D97-AF65-F5344CB8AC3E}">
-        <p14:creationId xmlns:p14="http://schemas.microsoft.com/office/powerpoint/2010/main" val="34102799"/>
+        <p14:creationId xmlns:p14="http://schemas.microsoft.com/office/powerpoint/2010/main" val="3294663808"/>
       </p:ext>
     </p:extLst>
   </p:cSld>
@@ -349,7 +349,7 @@
           <p:cNvPr id="2" name="标题 1">
             <a:extLst>
               <a:ext uri="{FF2B5EF4-FFF2-40B4-BE49-F238E27FC236}">
-                <a16:creationId xmlns:a16="http://schemas.microsoft.com/office/drawing/2014/main" id="{48512710-B677-176E-48E0-7B5AAFB9DD71}"/>
+                <a16:creationId xmlns:a16="http://schemas.microsoft.com/office/drawing/2014/main" id="{0A813A2E-9890-0E67-2CC0-D5717F8A6DB2}"/>
               </a:ext>
             </a:extLst>
           </p:cNvPr>
@@ -377,7 +377,7 @@
           <p:cNvPr id="3" name="竖排文字占位符 2">
             <a:extLst>
               <a:ext uri="{FF2B5EF4-FFF2-40B4-BE49-F238E27FC236}">
-                <a16:creationId xmlns:a16="http://schemas.microsoft.com/office/drawing/2014/main" id="{8889A3D4-DE9B-477A-6FAE-B0388FB39233}"/>
+                <a16:creationId xmlns:a16="http://schemas.microsoft.com/office/drawing/2014/main" id="{BABF716A-CEDD-A72D-345D-5524066593C4}"/>
               </a:ext>
             </a:extLst>
           </p:cNvPr>
@@ -434,7 +434,7 @@
           <p:cNvPr id="4" name="日期占位符 3">
             <a:extLst>
               <a:ext uri="{FF2B5EF4-FFF2-40B4-BE49-F238E27FC236}">
-                <a16:creationId xmlns:a16="http://schemas.microsoft.com/office/drawing/2014/main" id="{4FA0A828-CFB2-0793-98D2-DD2D743469AA}"/>
+                <a16:creationId xmlns:a16="http://schemas.microsoft.com/office/drawing/2014/main" id="{0FCD7098-E851-6075-EB2A-EAE2A4A0E4E4}"/>
               </a:ext>
             </a:extLst>
           </p:cNvPr>
@@ -450,7 +450,7 @@
           <a:bodyPr/>
           <a:lstStyle/>
           <a:p>
-            <a:fld id="{E68C9421-4EDA-4EE8-98B1-B17048D9A14B}" type="datetimeFigureOut">
+            <a:fld id="{3E6B6196-66D7-47EC-9F45-3448B4C117CF}" type="datetimeFigureOut">
               <a:rPr lang="zh-CN" altLang="en-US" smtClean="0"/>
               <a:t>2024/3/10</a:t>
             </a:fld>
@@ -463,7 +463,7 @@
           <p:cNvPr id="5" name="页脚占位符 4">
             <a:extLst>
               <a:ext uri="{FF2B5EF4-FFF2-40B4-BE49-F238E27FC236}">
-                <a16:creationId xmlns:a16="http://schemas.microsoft.com/office/drawing/2014/main" id="{E477BF1A-7ABE-0C8D-C41E-113E868545AF}"/>
+                <a16:creationId xmlns:a16="http://schemas.microsoft.com/office/drawing/2014/main" id="{D79DB6F2-FCEF-E7B5-D606-AF405E8C1D04}"/>
               </a:ext>
             </a:extLst>
           </p:cNvPr>
@@ -488,7 +488,7 @@
           <p:cNvPr id="6" name="灯片编号占位符 5">
             <a:extLst>
               <a:ext uri="{FF2B5EF4-FFF2-40B4-BE49-F238E27FC236}">
-                <a16:creationId xmlns:a16="http://schemas.microsoft.com/office/drawing/2014/main" id="{C53118B9-07B1-8AFB-4FBA-C28BCDA59F30}"/>
+                <a16:creationId xmlns:a16="http://schemas.microsoft.com/office/drawing/2014/main" id="{E013E041-5D15-0DB0-CBB6-D33397AABC9E}"/>
               </a:ext>
             </a:extLst>
           </p:cNvPr>
@@ -504,7 +504,7 @@
           <a:bodyPr/>
           <a:lstStyle/>
           <a:p>
-            <a:fld id="{2CCBCA34-48A0-4AC9-A7A1-21ED6EC268F4}" type="slidenum">
+            <a:fld id="{3CE11EA1-E16E-4F86-8CF5-BB2C2ECB1319}" type="slidenum">
               <a:rPr lang="zh-CN" altLang="en-US" smtClean="0"/>
               <a:t>‹#›</a:t>
             </a:fld>
@@ -515,7 +515,7 @@
     </p:spTree>
     <p:extLst>
       <p:ext uri="{BB962C8B-B14F-4D97-AF65-F5344CB8AC3E}">
-        <p14:creationId xmlns:p14="http://schemas.microsoft.com/office/powerpoint/2010/main" val="3361324040"/>
+        <p14:creationId xmlns:p14="http://schemas.microsoft.com/office/powerpoint/2010/main" val="1568649061"/>
       </p:ext>
     </p:extLst>
   </p:cSld>
@@ -547,7 +547,7 @@
           <p:cNvPr id="2" name="竖排标题 1">
             <a:extLst>
               <a:ext uri="{FF2B5EF4-FFF2-40B4-BE49-F238E27FC236}">
-                <a16:creationId xmlns:a16="http://schemas.microsoft.com/office/drawing/2014/main" id="{ACA7BA0F-465E-46B5-949A-D5C1E805C517}"/>
+                <a16:creationId xmlns:a16="http://schemas.microsoft.com/office/drawing/2014/main" id="{2F102E44-2F2F-7A86-CD4A-3A77DEB6B217}"/>
               </a:ext>
             </a:extLst>
           </p:cNvPr>
@@ -580,7 +580,7 @@
           <p:cNvPr id="3" name="竖排文字占位符 2">
             <a:extLst>
               <a:ext uri="{FF2B5EF4-FFF2-40B4-BE49-F238E27FC236}">
-                <a16:creationId xmlns:a16="http://schemas.microsoft.com/office/drawing/2014/main" id="{A3A11B15-AFF8-A89F-DE32-DD2C162CB22E}"/>
+                <a16:creationId xmlns:a16="http://schemas.microsoft.com/office/drawing/2014/main" id="{29BACC4C-7BA1-3229-2BCB-60FE231D8B56}"/>
               </a:ext>
             </a:extLst>
           </p:cNvPr>
@@ -642,7 +642,7 @@
           <p:cNvPr id="4" name="日期占位符 3">
             <a:extLst>
               <a:ext uri="{FF2B5EF4-FFF2-40B4-BE49-F238E27FC236}">
-                <a16:creationId xmlns:a16="http://schemas.microsoft.com/office/drawing/2014/main" id="{F52EA44D-E790-65C7-9DB3-830A463A4357}"/>
+                <a16:creationId xmlns:a16="http://schemas.microsoft.com/office/drawing/2014/main" id="{942315CB-480F-6484-CC1B-79E4551BE74C}"/>
               </a:ext>
             </a:extLst>
           </p:cNvPr>
@@ -658,7 +658,7 @@
           <a:bodyPr/>
           <a:lstStyle/>
           <a:p>
-            <a:fld id="{E68C9421-4EDA-4EE8-98B1-B17048D9A14B}" type="datetimeFigureOut">
+            <a:fld id="{3E6B6196-66D7-47EC-9F45-3448B4C117CF}" type="datetimeFigureOut">
               <a:rPr lang="zh-CN" altLang="en-US" smtClean="0"/>
               <a:t>2024/3/10</a:t>
             </a:fld>
@@ -671,7 +671,7 @@
           <p:cNvPr id="5" name="页脚占位符 4">
             <a:extLst>
               <a:ext uri="{FF2B5EF4-FFF2-40B4-BE49-F238E27FC236}">
-                <a16:creationId xmlns:a16="http://schemas.microsoft.com/office/drawing/2014/main" id="{281B0312-1266-9CB4-941F-4CF5E0FCA517}"/>
+                <a16:creationId xmlns:a16="http://schemas.microsoft.com/office/drawing/2014/main" id="{0CF77AB6-6FEF-5D30-57CF-220FF4B33B16}"/>
               </a:ext>
             </a:extLst>
           </p:cNvPr>
@@ -696,7 +696,7 @@
           <p:cNvPr id="6" name="灯片编号占位符 5">
             <a:extLst>
               <a:ext uri="{FF2B5EF4-FFF2-40B4-BE49-F238E27FC236}">
-                <a16:creationId xmlns:a16="http://schemas.microsoft.com/office/drawing/2014/main" id="{F2EAE4A1-4ACF-EEAF-9F97-BB9D33088DA2}"/>
+                <a16:creationId xmlns:a16="http://schemas.microsoft.com/office/drawing/2014/main" id="{BAC6B216-0869-660B-FF28-497CE7A1C4C5}"/>
               </a:ext>
             </a:extLst>
           </p:cNvPr>
@@ -712,7 +712,7 @@
           <a:bodyPr/>
           <a:lstStyle/>
           <a:p>
-            <a:fld id="{2CCBCA34-48A0-4AC9-A7A1-21ED6EC268F4}" type="slidenum">
+            <a:fld id="{3CE11EA1-E16E-4F86-8CF5-BB2C2ECB1319}" type="slidenum">
               <a:rPr lang="zh-CN" altLang="en-US" smtClean="0"/>
               <a:t>‹#›</a:t>
             </a:fld>
@@ -723,7 +723,7 @@
     </p:spTree>
     <p:extLst>
       <p:ext uri="{BB962C8B-B14F-4D97-AF65-F5344CB8AC3E}">
-        <p14:creationId xmlns:p14="http://schemas.microsoft.com/office/powerpoint/2010/main" val="1990556633"/>
+        <p14:creationId xmlns:p14="http://schemas.microsoft.com/office/powerpoint/2010/main" val="1358320943"/>
       </p:ext>
     </p:extLst>
   </p:cSld>
@@ -755,7 +755,7 @@
           <p:cNvPr id="2" name="标题 1">
             <a:extLst>
               <a:ext uri="{FF2B5EF4-FFF2-40B4-BE49-F238E27FC236}">
-                <a16:creationId xmlns:a16="http://schemas.microsoft.com/office/drawing/2014/main" id="{709F7CC6-C86A-33A1-A1A6-D55AE485FF4D}"/>
+                <a16:creationId xmlns:a16="http://schemas.microsoft.com/office/drawing/2014/main" id="{663737DF-F1CE-C48E-7039-0E6CDA06334A}"/>
               </a:ext>
             </a:extLst>
           </p:cNvPr>
@@ -783,7 +783,7 @@
           <p:cNvPr id="3" name="内容占位符 2">
             <a:extLst>
               <a:ext uri="{FF2B5EF4-FFF2-40B4-BE49-F238E27FC236}">
-                <a16:creationId xmlns:a16="http://schemas.microsoft.com/office/drawing/2014/main" id="{7C9CF996-6C47-36C9-B0C4-41F1B8943784}"/>
+                <a16:creationId xmlns:a16="http://schemas.microsoft.com/office/drawing/2014/main" id="{AC696A73-733F-AF64-DD00-E548E95613FA}"/>
               </a:ext>
             </a:extLst>
           </p:cNvPr>
@@ -840,7 +840,7 @@
           <p:cNvPr id="4" name="日期占位符 3">
             <a:extLst>
               <a:ext uri="{FF2B5EF4-FFF2-40B4-BE49-F238E27FC236}">
-                <a16:creationId xmlns:a16="http://schemas.microsoft.com/office/drawing/2014/main" id="{9D82E2F7-3164-2909-921D-452DA862B50A}"/>
+                <a16:creationId xmlns:a16="http://schemas.microsoft.com/office/drawing/2014/main" id="{C3499986-29C8-2475-9002-21447842337B}"/>
               </a:ext>
             </a:extLst>
           </p:cNvPr>
@@ -856,7 +856,7 @@
           <a:bodyPr/>
           <a:lstStyle/>
           <a:p>
-            <a:fld id="{E68C9421-4EDA-4EE8-98B1-B17048D9A14B}" type="datetimeFigureOut">
+            <a:fld id="{3E6B6196-66D7-47EC-9F45-3448B4C117CF}" type="datetimeFigureOut">
               <a:rPr lang="zh-CN" altLang="en-US" smtClean="0"/>
               <a:t>2024/3/10</a:t>
             </a:fld>
@@ -869,7 +869,7 @@
           <p:cNvPr id="5" name="页脚占位符 4">
             <a:extLst>
               <a:ext uri="{FF2B5EF4-FFF2-40B4-BE49-F238E27FC236}">
-                <a16:creationId xmlns:a16="http://schemas.microsoft.com/office/drawing/2014/main" id="{DF54EBD3-F3BB-AA12-5D3A-005E02483CB1}"/>
+                <a16:creationId xmlns:a16="http://schemas.microsoft.com/office/drawing/2014/main" id="{F5935143-008A-7E79-810D-F27C6241648F}"/>
               </a:ext>
             </a:extLst>
           </p:cNvPr>
@@ -894,7 +894,7 @@
           <p:cNvPr id="6" name="灯片编号占位符 5">
             <a:extLst>
               <a:ext uri="{FF2B5EF4-FFF2-40B4-BE49-F238E27FC236}">
-                <a16:creationId xmlns:a16="http://schemas.microsoft.com/office/drawing/2014/main" id="{75705EA1-CE38-DCBB-0DE1-2DE7C4C451E8}"/>
+                <a16:creationId xmlns:a16="http://schemas.microsoft.com/office/drawing/2014/main" id="{BCEB6C2C-C188-C4F3-9D03-37A40F8EAC99}"/>
               </a:ext>
             </a:extLst>
           </p:cNvPr>
@@ -910,7 +910,7 @@
           <a:bodyPr/>
           <a:lstStyle/>
           <a:p>
-            <a:fld id="{2CCBCA34-48A0-4AC9-A7A1-21ED6EC268F4}" type="slidenum">
+            <a:fld id="{3CE11EA1-E16E-4F86-8CF5-BB2C2ECB1319}" type="slidenum">
               <a:rPr lang="zh-CN" altLang="en-US" smtClean="0"/>
               <a:t>‹#›</a:t>
             </a:fld>
@@ -921,7 +921,7 @@
     </p:spTree>
     <p:extLst>
       <p:ext uri="{BB962C8B-B14F-4D97-AF65-F5344CB8AC3E}">
-        <p14:creationId xmlns:p14="http://schemas.microsoft.com/office/powerpoint/2010/main" val="3365880648"/>
+        <p14:creationId xmlns:p14="http://schemas.microsoft.com/office/powerpoint/2010/main" val="2196654945"/>
       </p:ext>
     </p:extLst>
   </p:cSld>
@@ -953,7 +953,7 @@
           <p:cNvPr id="2" name="标题 1">
             <a:extLst>
               <a:ext uri="{FF2B5EF4-FFF2-40B4-BE49-F238E27FC236}">
-                <a16:creationId xmlns:a16="http://schemas.microsoft.com/office/drawing/2014/main" id="{B0808531-9FB1-3C9B-016B-90FD6042C23D}"/>
+                <a16:creationId xmlns:a16="http://schemas.microsoft.com/office/drawing/2014/main" id="{525BB6EA-D1A7-BE75-B20F-11B1926304FE}"/>
               </a:ext>
             </a:extLst>
           </p:cNvPr>
@@ -990,7 +990,7 @@
           <p:cNvPr id="3" name="文本占位符 2">
             <a:extLst>
               <a:ext uri="{FF2B5EF4-FFF2-40B4-BE49-F238E27FC236}">
-                <a16:creationId xmlns:a16="http://schemas.microsoft.com/office/drawing/2014/main" id="{2C2B6A37-6901-85C0-6105-E3EB7786BE41}"/>
+                <a16:creationId xmlns:a16="http://schemas.microsoft.com/office/drawing/2014/main" id="{71FEBDBC-0EBC-E6D8-3A0E-A0B6B07AA687}"/>
               </a:ext>
             </a:extLst>
           </p:cNvPr>
@@ -1115,7 +1115,7 @@
           <p:cNvPr id="4" name="日期占位符 3">
             <a:extLst>
               <a:ext uri="{FF2B5EF4-FFF2-40B4-BE49-F238E27FC236}">
-                <a16:creationId xmlns:a16="http://schemas.microsoft.com/office/drawing/2014/main" id="{09BD9EC8-4D7E-2726-5712-E4C120BAA3DA}"/>
+                <a16:creationId xmlns:a16="http://schemas.microsoft.com/office/drawing/2014/main" id="{5985857B-618B-A17E-BD77-1A586A033D67}"/>
               </a:ext>
             </a:extLst>
           </p:cNvPr>
@@ -1131,7 +1131,7 @@
           <a:bodyPr/>
           <a:lstStyle/>
           <a:p>
-            <a:fld id="{E68C9421-4EDA-4EE8-98B1-B17048D9A14B}" type="datetimeFigureOut">
+            <a:fld id="{3E6B6196-66D7-47EC-9F45-3448B4C117CF}" type="datetimeFigureOut">
               <a:rPr lang="zh-CN" altLang="en-US" smtClean="0"/>
               <a:t>2024/3/10</a:t>
             </a:fld>
@@ -1144,7 +1144,7 @@
           <p:cNvPr id="5" name="页脚占位符 4">
             <a:extLst>
               <a:ext uri="{FF2B5EF4-FFF2-40B4-BE49-F238E27FC236}">
-                <a16:creationId xmlns:a16="http://schemas.microsoft.com/office/drawing/2014/main" id="{AE0AB282-C1B9-1205-DDF5-282743937FA7}"/>
+                <a16:creationId xmlns:a16="http://schemas.microsoft.com/office/drawing/2014/main" id="{06E40551-E580-560F-7127-C10154D7C7B5}"/>
               </a:ext>
             </a:extLst>
           </p:cNvPr>
@@ -1169,7 +1169,7 @@
           <p:cNvPr id="6" name="灯片编号占位符 5">
             <a:extLst>
               <a:ext uri="{FF2B5EF4-FFF2-40B4-BE49-F238E27FC236}">
-                <a16:creationId xmlns:a16="http://schemas.microsoft.com/office/drawing/2014/main" id="{3000EFD6-3DD1-8125-544B-F00A02124036}"/>
+                <a16:creationId xmlns:a16="http://schemas.microsoft.com/office/drawing/2014/main" id="{93F20A9C-F740-E61D-784B-CF0BB79DF97C}"/>
               </a:ext>
             </a:extLst>
           </p:cNvPr>
@@ -1185,7 +1185,7 @@
           <a:bodyPr/>
           <a:lstStyle/>
           <a:p>
-            <a:fld id="{2CCBCA34-48A0-4AC9-A7A1-21ED6EC268F4}" type="slidenum">
+            <a:fld id="{3CE11EA1-E16E-4F86-8CF5-BB2C2ECB1319}" type="slidenum">
               <a:rPr lang="zh-CN" altLang="en-US" smtClean="0"/>
               <a:t>‹#›</a:t>
             </a:fld>
@@ -1196,7 +1196,7 @@
     </p:spTree>
     <p:extLst>
       <p:ext uri="{BB962C8B-B14F-4D97-AF65-F5344CB8AC3E}">
-        <p14:creationId xmlns:p14="http://schemas.microsoft.com/office/powerpoint/2010/main" val="3888122792"/>
+        <p14:creationId xmlns:p14="http://schemas.microsoft.com/office/powerpoint/2010/main" val="1067271291"/>
       </p:ext>
     </p:extLst>
   </p:cSld>
@@ -1228,7 +1228,7 @@
           <p:cNvPr id="2" name="标题 1">
             <a:extLst>
               <a:ext uri="{FF2B5EF4-FFF2-40B4-BE49-F238E27FC236}">
-                <a16:creationId xmlns:a16="http://schemas.microsoft.com/office/drawing/2014/main" id="{DE3F3B25-DE08-F82E-B2EF-A983D6D529F0}"/>
+                <a16:creationId xmlns:a16="http://schemas.microsoft.com/office/drawing/2014/main" id="{3CB7C746-C185-51CA-9F7E-3D7049077737}"/>
               </a:ext>
             </a:extLst>
           </p:cNvPr>
@@ -1256,7 +1256,7 @@
           <p:cNvPr id="3" name="内容占位符 2">
             <a:extLst>
               <a:ext uri="{FF2B5EF4-FFF2-40B4-BE49-F238E27FC236}">
-                <a16:creationId xmlns:a16="http://schemas.microsoft.com/office/drawing/2014/main" id="{DF7EA567-C15C-D9AD-5215-B5ABE679E03C}"/>
+                <a16:creationId xmlns:a16="http://schemas.microsoft.com/office/drawing/2014/main" id="{C674B0DD-C405-5475-BBA2-F5EF0E2E1D0A}"/>
               </a:ext>
             </a:extLst>
           </p:cNvPr>
@@ -1318,7 +1318,7 @@
           <p:cNvPr id="4" name="内容占位符 3">
             <a:extLst>
               <a:ext uri="{FF2B5EF4-FFF2-40B4-BE49-F238E27FC236}">
-                <a16:creationId xmlns:a16="http://schemas.microsoft.com/office/drawing/2014/main" id="{E48D4472-D0C0-3B2B-9B89-814BD08E9E56}"/>
+                <a16:creationId xmlns:a16="http://schemas.microsoft.com/office/drawing/2014/main" id="{F5F06B73-28DE-3D3F-1C57-1F571FFAD698}"/>
               </a:ext>
             </a:extLst>
           </p:cNvPr>
@@ -1380,7 +1380,7 @@
           <p:cNvPr id="5" name="日期占位符 4">
             <a:extLst>
               <a:ext uri="{FF2B5EF4-FFF2-40B4-BE49-F238E27FC236}">
-                <a16:creationId xmlns:a16="http://schemas.microsoft.com/office/drawing/2014/main" id="{67FD3A1E-6ED1-43A1-D799-6822E1032BDE}"/>
+                <a16:creationId xmlns:a16="http://schemas.microsoft.com/office/drawing/2014/main" id="{603B27B3-D541-C6E6-985B-A09BB3AF2BED}"/>
               </a:ext>
             </a:extLst>
           </p:cNvPr>
@@ -1396,7 +1396,7 @@
           <a:bodyPr/>
           <a:lstStyle/>
           <a:p>
-            <a:fld id="{E68C9421-4EDA-4EE8-98B1-B17048D9A14B}" type="datetimeFigureOut">
+            <a:fld id="{3E6B6196-66D7-47EC-9F45-3448B4C117CF}" type="datetimeFigureOut">
               <a:rPr lang="zh-CN" altLang="en-US" smtClean="0"/>
               <a:t>2024/3/10</a:t>
             </a:fld>
@@ -1409,7 +1409,7 @@
           <p:cNvPr id="6" name="页脚占位符 5">
             <a:extLst>
               <a:ext uri="{FF2B5EF4-FFF2-40B4-BE49-F238E27FC236}">
-                <a16:creationId xmlns:a16="http://schemas.microsoft.com/office/drawing/2014/main" id="{01EB61F2-D29A-B0EC-B769-13242B204857}"/>
+                <a16:creationId xmlns:a16="http://schemas.microsoft.com/office/drawing/2014/main" id="{9F4A6DE3-2FC0-D02F-EE1E-CF4CA81797C5}"/>
               </a:ext>
             </a:extLst>
           </p:cNvPr>
@@ -1434,7 +1434,7 @@
           <p:cNvPr id="7" name="灯片编号占位符 6">
             <a:extLst>
               <a:ext uri="{FF2B5EF4-FFF2-40B4-BE49-F238E27FC236}">
-                <a16:creationId xmlns:a16="http://schemas.microsoft.com/office/drawing/2014/main" id="{644C0184-FC15-5440-6354-0BF3D5C4DFD2}"/>
+                <a16:creationId xmlns:a16="http://schemas.microsoft.com/office/drawing/2014/main" id="{42582824-E133-66D0-8DB8-546F61CBF2E8}"/>
               </a:ext>
             </a:extLst>
           </p:cNvPr>
@@ -1450,7 +1450,7 @@
           <a:bodyPr/>
           <a:lstStyle/>
           <a:p>
-            <a:fld id="{2CCBCA34-48A0-4AC9-A7A1-21ED6EC268F4}" type="slidenum">
+            <a:fld id="{3CE11EA1-E16E-4F86-8CF5-BB2C2ECB1319}" type="slidenum">
               <a:rPr lang="zh-CN" altLang="en-US" smtClean="0"/>
               <a:t>‹#›</a:t>
             </a:fld>
@@ -1461,7 +1461,7 @@
     </p:spTree>
     <p:extLst>
       <p:ext uri="{BB962C8B-B14F-4D97-AF65-F5344CB8AC3E}">
-        <p14:creationId xmlns:p14="http://schemas.microsoft.com/office/powerpoint/2010/main" val="3103187286"/>
+        <p14:creationId xmlns:p14="http://schemas.microsoft.com/office/powerpoint/2010/main" val="3071094154"/>
       </p:ext>
     </p:extLst>
   </p:cSld>
@@ -1493,7 +1493,7 @@
           <p:cNvPr id="2" name="标题 1">
             <a:extLst>
               <a:ext uri="{FF2B5EF4-FFF2-40B4-BE49-F238E27FC236}">
-                <a16:creationId xmlns:a16="http://schemas.microsoft.com/office/drawing/2014/main" id="{A0AE30F8-8289-767D-72DA-A55A113B974C}"/>
+                <a16:creationId xmlns:a16="http://schemas.microsoft.com/office/drawing/2014/main" id="{CB63E4D1-E307-E437-C73D-B43F98F5540E}"/>
               </a:ext>
             </a:extLst>
           </p:cNvPr>
@@ -1526,7 +1526,7 @@
           <p:cNvPr id="3" name="文本占位符 2">
             <a:extLst>
               <a:ext uri="{FF2B5EF4-FFF2-40B4-BE49-F238E27FC236}">
-                <a16:creationId xmlns:a16="http://schemas.microsoft.com/office/drawing/2014/main" id="{6E9560D0-F202-FFEA-8C4D-D063DD553DB8}"/>
+                <a16:creationId xmlns:a16="http://schemas.microsoft.com/office/drawing/2014/main" id="{CD084493-BD20-DD89-2B4A-E95AFB9A872E}"/>
               </a:ext>
             </a:extLst>
           </p:cNvPr>
@@ -1597,7 +1597,7 @@
           <p:cNvPr id="4" name="内容占位符 3">
             <a:extLst>
               <a:ext uri="{FF2B5EF4-FFF2-40B4-BE49-F238E27FC236}">
-                <a16:creationId xmlns:a16="http://schemas.microsoft.com/office/drawing/2014/main" id="{C830BBF7-69A6-043A-4E7C-D6C6E41877D7}"/>
+                <a16:creationId xmlns:a16="http://schemas.microsoft.com/office/drawing/2014/main" id="{1ECA34D2-B4B7-1FFE-BD01-9A5965DE375C}"/>
               </a:ext>
             </a:extLst>
           </p:cNvPr>
@@ -1659,7 +1659,7 @@
           <p:cNvPr id="5" name="文本占位符 4">
             <a:extLst>
               <a:ext uri="{FF2B5EF4-FFF2-40B4-BE49-F238E27FC236}">
-                <a16:creationId xmlns:a16="http://schemas.microsoft.com/office/drawing/2014/main" id="{CDB2693C-B145-ADE3-0EBF-5F6D4FCBBDEE}"/>
+                <a16:creationId xmlns:a16="http://schemas.microsoft.com/office/drawing/2014/main" id="{A6A0359E-2226-FF61-ACD1-6B93ADBD8767}"/>
               </a:ext>
             </a:extLst>
           </p:cNvPr>
@@ -1730,7 +1730,7 @@
           <p:cNvPr id="6" name="内容占位符 5">
             <a:extLst>
               <a:ext uri="{FF2B5EF4-FFF2-40B4-BE49-F238E27FC236}">
-                <a16:creationId xmlns:a16="http://schemas.microsoft.com/office/drawing/2014/main" id="{DE121BF0-44EB-387A-9BF5-E3BFE5FBDA07}"/>
+                <a16:creationId xmlns:a16="http://schemas.microsoft.com/office/drawing/2014/main" id="{90895334-A5DB-A0F9-12D3-E4E29AF3B896}"/>
               </a:ext>
             </a:extLst>
           </p:cNvPr>
@@ -1792,7 +1792,7 @@
           <p:cNvPr id="7" name="日期占位符 6">
             <a:extLst>
               <a:ext uri="{FF2B5EF4-FFF2-40B4-BE49-F238E27FC236}">
-                <a16:creationId xmlns:a16="http://schemas.microsoft.com/office/drawing/2014/main" id="{90DA5BD5-CCD8-094C-14EA-3A57BDEC0BB9}"/>
+                <a16:creationId xmlns:a16="http://schemas.microsoft.com/office/drawing/2014/main" id="{F8B05FBD-1A3B-04E6-A97C-0DF7CAAAC03D}"/>
               </a:ext>
             </a:extLst>
           </p:cNvPr>
@@ -1808,7 +1808,7 @@
           <a:bodyPr/>
           <a:lstStyle/>
           <a:p>
-            <a:fld id="{E68C9421-4EDA-4EE8-98B1-B17048D9A14B}" type="datetimeFigureOut">
+            <a:fld id="{3E6B6196-66D7-47EC-9F45-3448B4C117CF}" type="datetimeFigureOut">
               <a:rPr lang="zh-CN" altLang="en-US" smtClean="0"/>
               <a:t>2024/3/10</a:t>
             </a:fld>
@@ -1821,7 +1821,7 @@
           <p:cNvPr id="8" name="页脚占位符 7">
             <a:extLst>
               <a:ext uri="{FF2B5EF4-FFF2-40B4-BE49-F238E27FC236}">
-                <a16:creationId xmlns:a16="http://schemas.microsoft.com/office/drawing/2014/main" id="{A77C5936-4B6C-5912-7646-C7B91FAB7441}"/>
+                <a16:creationId xmlns:a16="http://schemas.microsoft.com/office/drawing/2014/main" id="{29B0B732-2491-BAF8-DBB1-37A5166ED63B}"/>
               </a:ext>
             </a:extLst>
           </p:cNvPr>
@@ -1846,7 +1846,7 @@
           <p:cNvPr id="9" name="灯片编号占位符 8">
             <a:extLst>
               <a:ext uri="{FF2B5EF4-FFF2-40B4-BE49-F238E27FC236}">
-                <a16:creationId xmlns:a16="http://schemas.microsoft.com/office/drawing/2014/main" id="{EE40B41F-49B1-71BA-2A23-1D044F51FC67}"/>
+                <a16:creationId xmlns:a16="http://schemas.microsoft.com/office/drawing/2014/main" id="{B6BEF60B-54B6-01D3-F153-0E84263AA263}"/>
               </a:ext>
             </a:extLst>
           </p:cNvPr>
@@ -1862,7 +1862,7 @@
           <a:bodyPr/>
           <a:lstStyle/>
           <a:p>
-            <a:fld id="{2CCBCA34-48A0-4AC9-A7A1-21ED6EC268F4}" type="slidenum">
+            <a:fld id="{3CE11EA1-E16E-4F86-8CF5-BB2C2ECB1319}" type="slidenum">
               <a:rPr lang="zh-CN" altLang="en-US" smtClean="0"/>
               <a:t>‹#›</a:t>
             </a:fld>
@@ -1873,7 +1873,7 @@
     </p:spTree>
     <p:extLst>
       <p:ext uri="{BB962C8B-B14F-4D97-AF65-F5344CB8AC3E}">
-        <p14:creationId xmlns:p14="http://schemas.microsoft.com/office/powerpoint/2010/main" val="3766323882"/>
+        <p14:creationId xmlns:p14="http://schemas.microsoft.com/office/powerpoint/2010/main" val="833195241"/>
       </p:ext>
     </p:extLst>
   </p:cSld>
@@ -1905,7 +1905,7 @@
           <p:cNvPr id="2" name="标题 1">
             <a:extLst>
               <a:ext uri="{FF2B5EF4-FFF2-40B4-BE49-F238E27FC236}">
-                <a16:creationId xmlns:a16="http://schemas.microsoft.com/office/drawing/2014/main" id="{ABEC059A-4EA1-6AF0-8E19-6F0685B30FF6}"/>
+                <a16:creationId xmlns:a16="http://schemas.microsoft.com/office/drawing/2014/main" id="{2069EC7D-FF83-1646-FB40-12C6B8F4CFF1}"/>
               </a:ext>
             </a:extLst>
           </p:cNvPr>
@@ -1933,7 +1933,7 @@
           <p:cNvPr id="3" name="日期占位符 2">
             <a:extLst>
               <a:ext uri="{FF2B5EF4-FFF2-40B4-BE49-F238E27FC236}">
-                <a16:creationId xmlns:a16="http://schemas.microsoft.com/office/drawing/2014/main" id="{9B98EBBA-D65A-5093-6494-0F56069A2B75}"/>
+                <a16:creationId xmlns:a16="http://schemas.microsoft.com/office/drawing/2014/main" id="{EE25BC0B-21CD-8909-3572-2872DCCE48BE}"/>
               </a:ext>
             </a:extLst>
           </p:cNvPr>
@@ -1949,7 +1949,7 @@
           <a:bodyPr/>
           <a:lstStyle/>
           <a:p>
-            <a:fld id="{E68C9421-4EDA-4EE8-98B1-B17048D9A14B}" type="datetimeFigureOut">
+            <a:fld id="{3E6B6196-66D7-47EC-9F45-3448B4C117CF}" type="datetimeFigureOut">
               <a:rPr lang="zh-CN" altLang="en-US" smtClean="0"/>
               <a:t>2024/3/10</a:t>
             </a:fld>
@@ -1962,7 +1962,7 @@
           <p:cNvPr id="4" name="页脚占位符 3">
             <a:extLst>
               <a:ext uri="{FF2B5EF4-FFF2-40B4-BE49-F238E27FC236}">
-                <a16:creationId xmlns:a16="http://schemas.microsoft.com/office/drawing/2014/main" id="{449A4DB7-0F10-187C-8C58-1F2C039079E5}"/>
+                <a16:creationId xmlns:a16="http://schemas.microsoft.com/office/drawing/2014/main" id="{12F0BED3-328F-E7B2-AAB4-87DE223D5CEC}"/>
               </a:ext>
             </a:extLst>
           </p:cNvPr>
@@ -1987,7 +1987,7 @@
           <p:cNvPr id="5" name="灯片编号占位符 4">
             <a:extLst>
               <a:ext uri="{FF2B5EF4-FFF2-40B4-BE49-F238E27FC236}">
-                <a16:creationId xmlns:a16="http://schemas.microsoft.com/office/drawing/2014/main" id="{092A3CC6-F374-2F4B-A30B-F22E545B6E82}"/>
+                <a16:creationId xmlns:a16="http://schemas.microsoft.com/office/drawing/2014/main" id="{60C5D318-CCC8-459D-F8D9-C34EC90B0DFA}"/>
               </a:ext>
             </a:extLst>
           </p:cNvPr>
@@ -2003,7 +2003,7 @@
           <a:bodyPr/>
           <a:lstStyle/>
           <a:p>
-            <a:fld id="{2CCBCA34-48A0-4AC9-A7A1-21ED6EC268F4}" type="slidenum">
+            <a:fld id="{3CE11EA1-E16E-4F86-8CF5-BB2C2ECB1319}" type="slidenum">
               <a:rPr lang="zh-CN" altLang="en-US" smtClean="0"/>
               <a:t>‹#›</a:t>
             </a:fld>
@@ -2014,7 +2014,7 @@
     </p:spTree>
     <p:extLst>
       <p:ext uri="{BB962C8B-B14F-4D97-AF65-F5344CB8AC3E}">
-        <p14:creationId xmlns:p14="http://schemas.microsoft.com/office/powerpoint/2010/main" val="2165720268"/>
+        <p14:creationId xmlns:p14="http://schemas.microsoft.com/office/powerpoint/2010/main" val="118462640"/>
       </p:ext>
     </p:extLst>
   </p:cSld>
@@ -2046,7 +2046,7 @@
           <p:cNvPr id="2" name="日期占位符 1">
             <a:extLst>
               <a:ext uri="{FF2B5EF4-FFF2-40B4-BE49-F238E27FC236}">
-                <a16:creationId xmlns:a16="http://schemas.microsoft.com/office/drawing/2014/main" id="{23E20A29-14BE-D860-6CED-500783A7AA85}"/>
+                <a16:creationId xmlns:a16="http://schemas.microsoft.com/office/drawing/2014/main" id="{25360002-8371-5D5C-C926-7DAEF3C327B6}"/>
               </a:ext>
             </a:extLst>
           </p:cNvPr>
@@ -2062,7 +2062,7 @@
           <a:bodyPr/>
           <a:lstStyle/>
           <a:p>
-            <a:fld id="{E68C9421-4EDA-4EE8-98B1-B17048D9A14B}" type="datetimeFigureOut">
+            <a:fld id="{3E6B6196-66D7-47EC-9F45-3448B4C117CF}" type="datetimeFigureOut">
               <a:rPr lang="zh-CN" altLang="en-US" smtClean="0"/>
               <a:t>2024/3/10</a:t>
             </a:fld>
@@ -2075,7 +2075,7 @@
           <p:cNvPr id="3" name="页脚占位符 2">
             <a:extLst>
               <a:ext uri="{FF2B5EF4-FFF2-40B4-BE49-F238E27FC236}">
-                <a16:creationId xmlns:a16="http://schemas.microsoft.com/office/drawing/2014/main" id="{9E6E401B-96D7-61F6-4948-57FD10719F90}"/>
+                <a16:creationId xmlns:a16="http://schemas.microsoft.com/office/drawing/2014/main" id="{D4CBFDDC-B83B-7C35-9FBF-3EEE58A37466}"/>
               </a:ext>
             </a:extLst>
           </p:cNvPr>
@@ -2100,7 +2100,7 @@
           <p:cNvPr id="4" name="灯片编号占位符 3">
             <a:extLst>
               <a:ext uri="{FF2B5EF4-FFF2-40B4-BE49-F238E27FC236}">
-                <a16:creationId xmlns:a16="http://schemas.microsoft.com/office/drawing/2014/main" id="{EC9EF40F-6DB2-32E6-777E-BA54CD6F3BF1}"/>
+                <a16:creationId xmlns:a16="http://schemas.microsoft.com/office/drawing/2014/main" id="{ABB7188F-F230-22D0-A030-DCFBC91E28E0}"/>
               </a:ext>
             </a:extLst>
           </p:cNvPr>
@@ -2116,7 +2116,7 @@
           <a:bodyPr/>
           <a:lstStyle/>
           <a:p>
-            <a:fld id="{2CCBCA34-48A0-4AC9-A7A1-21ED6EC268F4}" type="slidenum">
+            <a:fld id="{3CE11EA1-E16E-4F86-8CF5-BB2C2ECB1319}" type="slidenum">
               <a:rPr lang="zh-CN" altLang="en-US" smtClean="0"/>
               <a:t>‹#›</a:t>
             </a:fld>
@@ -2127,7 +2127,7 @@
     </p:spTree>
     <p:extLst>
       <p:ext uri="{BB962C8B-B14F-4D97-AF65-F5344CB8AC3E}">
-        <p14:creationId xmlns:p14="http://schemas.microsoft.com/office/powerpoint/2010/main" val="2091660925"/>
+        <p14:creationId xmlns:p14="http://schemas.microsoft.com/office/powerpoint/2010/main" val="3198891956"/>
       </p:ext>
     </p:extLst>
   </p:cSld>
@@ -2159,7 +2159,7 @@
           <p:cNvPr id="2" name="标题 1">
             <a:extLst>
               <a:ext uri="{FF2B5EF4-FFF2-40B4-BE49-F238E27FC236}">
-                <a16:creationId xmlns:a16="http://schemas.microsoft.com/office/drawing/2014/main" id="{638527F0-A014-F2CD-7387-51BA12A26ECE}"/>
+                <a16:creationId xmlns:a16="http://schemas.microsoft.com/office/drawing/2014/main" id="{CD62487E-E3C8-6455-D21B-BCFCC6C8952A}"/>
               </a:ext>
             </a:extLst>
           </p:cNvPr>
@@ -2196,7 +2196,7 @@
           <p:cNvPr id="3" name="内容占位符 2">
             <a:extLst>
               <a:ext uri="{FF2B5EF4-FFF2-40B4-BE49-F238E27FC236}">
-                <a16:creationId xmlns:a16="http://schemas.microsoft.com/office/drawing/2014/main" id="{A3839615-409A-E962-FD83-3735C1ECF94A}"/>
+                <a16:creationId xmlns:a16="http://schemas.microsoft.com/office/drawing/2014/main" id="{74B107D5-8C59-141F-1551-963B613B43E9}"/>
               </a:ext>
             </a:extLst>
           </p:cNvPr>
@@ -2286,7 +2286,7 @@
           <p:cNvPr id="4" name="文本占位符 3">
             <a:extLst>
               <a:ext uri="{FF2B5EF4-FFF2-40B4-BE49-F238E27FC236}">
-                <a16:creationId xmlns:a16="http://schemas.microsoft.com/office/drawing/2014/main" id="{0D8F281F-509F-36D2-D4F0-494BA7659A5A}"/>
+                <a16:creationId xmlns:a16="http://schemas.microsoft.com/office/drawing/2014/main" id="{D7971AAB-F5F7-167A-6011-DB2EBD18942E}"/>
               </a:ext>
             </a:extLst>
           </p:cNvPr>
@@ -2357,7 +2357,7 @@
           <p:cNvPr id="5" name="日期占位符 4">
             <a:extLst>
               <a:ext uri="{FF2B5EF4-FFF2-40B4-BE49-F238E27FC236}">
-                <a16:creationId xmlns:a16="http://schemas.microsoft.com/office/drawing/2014/main" id="{51EC12D1-5A70-673F-FE57-8FC32FFB1657}"/>
+                <a16:creationId xmlns:a16="http://schemas.microsoft.com/office/drawing/2014/main" id="{28679E3A-6BC5-2636-E283-D0E3ED7D1714}"/>
               </a:ext>
             </a:extLst>
           </p:cNvPr>
@@ -2373,7 +2373,7 @@
           <a:bodyPr/>
           <a:lstStyle/>
           <a:p>
-            <a:fld id="{E68C9421-4EDA-4EE8-98B1-B17048D9A14B}" type="datetimeFigureOut">
+            <a:fld id="{3E6B6196-66D7-47EC-9F45-3448B4C117CF}" type="datetimeFigureOut">
               <a:rPr lang="zh-CN" altLang="en-US" smtClean="0"/>
               <a:t>2024/3/10</a:t>
             </a:fld>
@@ -2386,7 +2386,7 @@
           <p:cNvPr id="6" name="页脚占位符 5">
             <a:extLst>
               <a:ext uri="{FF2B5EF4-FFF2-40B4-BE49-F238E27FC236}">
-                <a16:creationId xmlns:a16="http://schemas.microsoft.com/office/drawing/2014/main" id="{0A6DFD16-A2BB-1235-D776-2D4E766949A8}"/>
+                <a16:creationId xmlns:a16="http://schemas.microsoft.com/office/drawing/2014/main" id="{39A0708C-0C16-4ED4-9D57-35BE4829C2AD}"/>
               </a:ext>
             </a:extLst>
           </p:cNvPr>
@@ -2411,7 +2411,7 @@
           <p:cNvPr id="7" name="灯片编号占位符 6">
             <a:extLst>
               <a:ext uri="{FF2B5EF4-FFF2-40B4-BE49-F238E27FC236}">
-                <a16:creationId xmlns:a16="http://schemas.microsoft.com/office/drawing/2014/main" id="{326BCA24-FF3F-3865-7C85-A15033A13623}"/>
+                <a16:creationId xmlns:a16="http://schemas.microsoft.com/office/drawing/2014/main" id="{D083D53A-E6E3-5E80-F01D-75A5557705CA}"/>
               </a:ext>
             </a:extLst>
           </p:cNvPr>
@@ -2427,7 +2427,7 @@
           <a:bodyPr/>
           <a:lstStyle/>
           <a:p>
-            <a:fld id="{2CCBCA34-48A0-4AC9-A7A1-21ED6EC268F4}" type="slidenum">
+            <a:fld id="{3CE11EA1-E16E-4F86-8CF5-BB2C2ECB1319}" type="slidenum">
               <a:rPr lang="zh-CN" altLang="en-US" smtClean="0"/>
               <a:t>‹#›</a:t>
             </a:fld>
@@ -2438,7 +2438,7 @@
     </p:spTree>
     <p:extLst>
       <p:ext uri="{BB962C8B-B14F-4D97-AF65-F5344CB8AC3E}">
-        <p14:creationId xmlns:p14="http://schemas.microsoft.com/office/powerpoint/2010/main" val="3111532646"/>
+        <p14:creationId xmlns:p14="http://schemas.microsoft.com/office/powerpoint/2010/main" val="93941686"/>
       </p:ext>
     </p:extLst>
   </p:cSld>
@@ -2470,7 +2470,7 @@
           <p:cNvPr id="2" name="标题 1">
             <a:extLst>
               <a:ext uri="{FF2B5EF4-FFF2-40B4-BE49-F238E27FC236}">
-                <a16:creationId xmlns:a16="http://schemas.microsoft.com/office/drawing/2014/main" id="{08524781-4146-E3A2-3DD6-44BC5EE0515C}"/>
+                <a16:creationId xmlns:a16="http://schemas.microsoft.com/office/drawing/2014/main" id="{CF5C8011-5CE3-553A-97F9-6EBC15C36E78}"/>
               </a:ext>
             </a:extLst>
           </p:cNvPr>
@@ -2507,7 +2507,7 @@
           <p:cNvPr id="3" name="图片占位符 2">
             <a:extLst>
               <a:ext uri="{FF2B5EF4-FFF2-40B4-BE49-F238E27FC236}">
-                <a16:creationId xmlns:a16="http://schemas.microsoft.com/office/drawing/2014/main" id="{58D2354C-9324-8F1D-CB55-F79188F62210}"/>
+                <a16:creationId xmlns:a16="http://schemas.microsoft.com/office/drawing/2014/main" id="{F16A00D4-BC0B-7AAE-7786-FF7A321152C9}"/>
               </a:ext>
             </a:extLst>
           </p:cNvPr>
@@ -2574,7 +2574,7 @@
           <p:cNvPr id="4" name="文本占位符 3">
             <a:extLst>
               <a:ext uri="{FF2B5EF4-FFF2-40B4-BE49-F238E27FC236}">
-                <a16:creationId xmlns:a16="http://schemas.microsoft.com/office/drawing/2014/main" id="{5C99B050-EE7C-A6AD-7841-0A32F524326C}"/>
+                <a16:creationId xmlns:a16="http://schemas.microsoft.com/office/drawing/2014/main" id="{82E8CDB7-F9F0-98B8-8DE4-02F2FE1BB5CB}"/>
               </a:ext>
             </a:extLst>
           </p:cNvPr>
@@ -2645,7 +2645,7 @@
           <p:cNvPr id="5" name="日期占位符 4">
             <a:extLst>
               <a:ext uri="{FF2B5EF4-FFF2-40B4-BE49-F238E27FC236}">
-                <a16:creationId xmlns:a16="http://schemas.microsoft.com/office/drawing/2014/main" id="{E299A1D4-2B4C-3B40-9AF4-DDEAD32A1193}"/>
+                <a16:creationId xmlns:a16="http://schemas.microsoft.com/office/drawing/2014/main" id="{CF172C4A-063A-DFC4-5B13-95674BE6CB49}"/>
               </a:ext>
             </a:extLst>
           </p:cNvPr>
@@ -2661,7 +2661,7 @@
           <a:bodyPr/>
           <a:lstStyle/>
           <a:p>
-            <a:fld id="{E68C9421-4EDA-4EE8-98B1-B17048D9A14B}" type="datetimeFigureOut">
+            <a:fld id="{3E6B6196-66D7-47EC-9F45-3448B4C117CF}" type="datetimeFigureOut">
               <a:rPr lang="zh-CN" altLang="en-US" smtClean="0"/>
               <a:t>2024/3/10</a:t>
             </a:fld>
@@ -2674,7 +2674,7 @@
           <p:cNvPr id="6" name="页脚占位符 5">
             <a:extLst>
               <a:ext uri="{FF2B5EF4-FFF2-40B4-BE49-F238E27FC236}">
-                <a16:creationId xmlns:a16="http://schemas.microsoft.com/office/drawing/2014/main" id="{8C35CBD3-3321-1FF2-2B13-21AB60DA331F}"/>
+                <a16:creationId xmlns:a16="http://schemas.microsoft.com/office/drawing/2014/main" id="{4D73E667-6C44-A197-0119-4F046B2257F9}"/>
               </a:ext>
             </a:extLst>
           </p:cNvPr>
@@ -2699,7 +2699,7 @@
           <p:cNvPr id="7" name="灯片编号占位符 6">
             <a:extLst>
               <a:ext uri="{FF2B5EF4-FFF2-40B4-BE49-F238E27FC236}">
-                <a16:creationId xmlns:a16="http://schemas.microsoft.com/office/drawing/2014/main" id="{486B3D28-D6ED-E02E-2C07-6E5508485D7E}"/>
+                <a16:creationId xmlns:a16="http://schemas.microsoft.com/office/drawing/2014/main" id="{8ACCDBE0-D74C-E396-FDDA-739F2D218499}"/>
               </a:ext>
             </a:extLst>
           </p:cNvPr>
@@ -2715,7 +2715,7 @@
           <a:bodyPr/>
           <a:lstStyle/>
           <a:p>
-            <a:fld id="{2CCBCA34-48A0-4AC9-A7A1-21ED6EC268F4}" type="slidenum">
+            <a:fld id="{3CE11EA1-E16E-4F86-8CF5-BB2C2ECB1319}" type="slidenum">
               <a:rPr lang="zh-CN" altLang="en-US" smtClean="0"/>
               <a:t>‹#›</a:t>
             </a:fld>
@@ -2726,7 +2726,7 @@
     </p:spTree>
     <p:extLst>
       <p:ext uri="{BB962C8B-B14F-4D97-AF65-F5344CB8AC3E}">
-        <p14:creationId xmlns:p14="http://schemas.microsoft.com/office/powerpoint/2010/main" val="2230190484"/>
+        <p14:creationId xmlns:p14="http://schemas.microsoft.com/office/powerpoint/2010/main" val="1027719808"/>
       </p:ext>
     </p:extLst>
   </p:cSld>
@@ -2763,7 +2763,7 @@
           <p:cNvPr id="2" name="标题占位符 1">
             <a:extLst>
               <a:ext uri="{FF2B5EF4-FFF2-40B4-BE49-F238E27FC236}">
-                <a16:creationId xmlns:a16="http://schemas.microsoft.com/office/drawing/2014/main" id="{E0A93723-331E-AC1B-9A9A-9B578294892A}"/>
+                <a16:creationId xmlns:a16="http://schemas.microsoft.com/office/drawing/2014/main" id="{185900DB-BF6F-67C9-2257-F47BC2175C02}"/>
               </a:ext>
             </a:extLst>
           </p:cNvPr>
@@ -2801,7 +2801,7 @@
           <p:cNvPr id="3" name="文本占位符 2">
             <a:extLst>
               <a:ext uri="{FF2B5EF4-FFF2-40B4-BE49-F238E27FC236}">
-                <a16:creationId xmlns:a16="http://schemas.microsoft.com/office/drawing/2014/main" id="{1A9B2864-6817-CEC9-5938-5D919E6479D0}"/>
+                <a16:creationId xmlns:a16="http://schemas.microsoft.com/office/drawing/2014/main" id="{9646994C-5B38-3DFD-3C2B-FD104E5FB93D}"/>
               </a:ext>
             </a:extLst>
           </p:cNvPr>
@@ -2868,7 +2868,7 @@
           <p:cNvPr id="4" name="日期占位符 3">
             <a:extLst>
               <a:ext uri="{FF2B5EF4-FFF2-40B4-BE49-F238E27FC236}">
-                <a16:creationId xmlns:a16="http://schemas.microsoft.com/office/drawing/2014/main" id="{01B4C832-6D92-2F6C-04C3-3DB34396904B}"/>
+                <a16:creationId xmlns:a16="http://schemas.microsoft.com/office/drawing/2014/main" id="{FACE7BEA-DABB-1BED-27A6-92A750A7DC73}"/>
               </a:ext>
             </a:extLst>
           </p:cNvPr>
@@ -2902,7 +2902,7 @@
             </a:lvl1pPr>
           </a:lstStyle>
           <a:p>
-            <a:fld id="{E68C9421-4EDA-4EE8-98B1-B17048D9A14B}" type="datetimeFigureOut">
+            <a:fld id="{3E6B6196-66D7-47EC-9F45-3448B4C117CF}" type="datetimeFigureOut">
               <a:rPr lang="zh-CN" altLang="en-US" smtClean="0"/>
               <a:t>2024/3/10</a:t>
             </a:fld>
@@ -2915,7 +2915,7 @@
           <p:cNvPr id="5" name="页脚占位符 4">
             <a:extLst>
               <a:ext uri="{FF2B5EF4-FFF2-40B4-BE49-F238E27FC236}">
-                <a16:creationId xmlns:a16="http://schemas.microsoft.com/office/drawing/2014/main" id="{7840C841-AC91-4B08-1C44-4C6F6634EABA}"/>
+                <a16:creationId xmlns:a16="http://schemas.microsoft.com/office/drawing/2014/main" id="{D718E235-0CBD-F096-C252-11AE76DE56AC}"/>
               </a:ext>
             </a:extLst>
           </p:cNvPr>
@@ -2958,7 +2958,7 @@
           <p:cNvPr id="6" name="灯片编号占位符 5">
             <a:extLst>
               <a:ext uri="{FF2B5EF4-FFF2-40B4-BE49-F238E27FC236}">
-                <a16:creationId xmlns:a16="http://schemas.microsoft.com/office/drawing/2014/main" id="{60D96E71-BBD2-181E-E59A-CEFB29C1CDFF}"/>
+                <a16:creationId xmlns:a16="http://schemas.microsoft.com/office/drawing/2014/main" id="{2C65A47E-CD38-9A9D-0E40-6E8CD6CAF264}"/>
               </a:ext>
             </a:extLst>
           </p:cNvPr>
@@ -2992,7 +2992,7 @@
             </a:lvl1pPr>
           </a:lstStyle>
           <a:p>
-            <a:fld id="{2CCBCA34-48A0-4AC9-A7A1-21ED6EC268F4}" type="slidenum">
+            <a:fld id="{3CE11EA1-E16E-4F86-8CF5-BB2C2ECB1319}" type="slidenum">
               <a:rPr lang="zh-CN" altLang="en-US" smtClean="0"/>
               <a:t>‹#›</a:t>
             </a:fld>
@@ -3003,7 +3003,7 @@
     </p:spTree>
     <p:extLst>
       <p:ext uri="{BB962C8B-B14F-4D97-AF65-F5344CB8AC3E}">
-        <p14:creationId xmlns:p14="http://schemas.microsoft.com/office/powerpoint/2010/main" val="225939220"/>
+        <p14:creationId xmlns:p14="http://schemas.microsoft.com/office/powerpoint/2010/main" val="3674511627"/>
       </p:ext>
     </p:extLst>
   </p:cSld>
@@ -3323,7 +3323,7 @@
       </p:grpSpPr>
       <p:pic>
         <p:nvPicPr>
-          <p:cNvPr id="1273858" name="Picture 2" descr="1243"/>
+          <p:cNvPr id="1275906" name="Picture 2" descr="1245"/>
           <p:cNvPicPr>
             <a:picLocks noChangeAspect="1" noChangeArrowheads="1"/>
           </p:cNvPicPr>
@@ -3375,11 +3375,158 @@
           </a:extLst>
         </p:spPr>
       </p:pic>
+      <p:pic>
+        <p:nvPicPr>
+          <p:cNvPr id="1276931" name="Picture 3" descr="1245-2"/>
+          <p:cNvPicPr>
+            <a:picLocks noChangeAspect="1" noChangeArrowheads="1"/>
+          </p:cNvPicPr>
+          <p:nvPr/>
+        </p:nvPicPr>
+        <p:blipFill>
+          <a:blip r:embed="rId3">
+            <a:extLst>
+              <a:ext uri="{28A0092B-C50C-407E-A947-70E740481C1C}">
+                <a14:useLocalDpi xmlns:a14="http://schemas.microsoft.com/office/drawing/2010/main" val="0"/>
+              </a:ext>
+            </a:extLst>
+          </a:blip>
+          <a:srcRect/>
+          <a:stretch>
+            <a:fillRect/>
+          </a:stretch>
+        </p:blipFill>
+        <p:spPr bwMode="auto">
+          <a:xfrm>
+            <a:off x="1524000" y="0"/>
+            <a:ext cx="9144000" cy="6858000"/>
+          </a:xfrm>
+          <a:prstGeom prst="rect">
+            <a:avLst/>
+          </a:prstGeom>
+          <a:noFill/>
+          <a:ln>
+            <a:noFill/>
+          </a:ln>
+          <a:effectLst/>
+          <a:extLst>
+            <a:ext uri="{909E8E84-426E-40DD-AFC4-6F175D3DCCD1}">
+              <a14:hiddenFill xmlns:a14="http://schemas.microsoft.com/office/drawing/2010/main">
+                <a:solidFill>
+                  <a:srgbClr val="FFFFFF"/>
+                </a:solidFill>
+              </a14:hiddenFill>
+            </a:ext>
+            <a:ext uri="{91240B29-F687-4F45-9708-019B960494DF}">
+              <a14:hiddenLine xmlns:a14="http://schemas.microsoft.com/office/drawing/2010/main" w="9525">
+                <a:solidFill>
+                  <a:srgbClr val="000000"/>
+                </a:solidFill>
+                <a:miter lim="800000"/>
+                <a:headEnd/>
+                <a:tailEnd/>
+              </a14:hiddenLine>
+            </a:ext>
+            <a:ext uri="{AF507438-7753-43E0-B8FC-AC1667EBCBE1}">
+              <a14:hiddenEffects xmlns:a14="http://schemas.microsoft.com/office/drawing/2010/main">
+                <a:effectLst>
+                  <a:outerShdw dist="35921" dir="2700000" algn="ctr" rotWithShape="0">
+                    <a:srgbClr val="808080"/>
+                  </a:outerShdw>
+                </a:effectLst>
+              </a14:hiddenEffects>
+            </a:ext>
+          </a:extLst>
+        </p:spPr>
+      </p:pic>
     </p:spTree>
   </p:cSld>
   <p:clrMapOvr>
     <a:masterClrMapping/>
   </p:clrMapOvr>
+  <p:timing>
+    <p:tnLst>
+      <p:par>
+        <p:cTn id="1" dur="indefinite" restart="never" nodeType="tmRoot">
+          <p:childTnLst>
+            <p:seq concurrent="1" nextAc="seek">
+              <p:cTn id="2" dur="indefinite" nodeType="mainSeq">
+                <p:childTnLst>
+                  <p:par>
+                    <p:cTn id="3" fill="hold" nodeType="clickPar">
+                      <p:stCondLst>
+                        <p:cond delay="indefinite"/>
+                      </p:stCondLst>
+                      <p:childTnLst>
+                        <p:par>
+                          <p:cTn id="4" fill="hold" nodeType="withGroup">
+                            <p:stCondLst>
+                              <p:cond delay="0"/>
+                            </p:stCondLst>
+                            <p:childTnLst>
+                              <p:par>
+                                <p:cTn id="5" presetID="10" presetClass="entr" presetSubtype="0" fill="hold" nodeType="clickEffect">
+                                  <p:stCondLst>
+                                    <p:cond delay="0"/>
+                                  </p:stCondLst>
+                                  <p:childTnLst>
+                                    <p:set>
+                                      <p:cBhvr>
+                                        <p:cTn id="6" dur="1" fill="hold">
+                                          <p:stCondLst>
+                                            <p:cond delay="0"/>
+                                          </p:stCondLst>
+                                        </p:cTn>
+                                        <p:tgtEl>
+                                          <p:spTgt spid="1276931"/>
+                                        </p:tgtEl>
+                                        <p:attrNameLst>
+                                          <p:attrName>style.visibility</p:attrName>
+                                        </p:attrNameLst>
+                                      </p:cBhvr>
+                                      <p:to>
+                                        <p:strVal val="visible"/>
+                                      </p:to>
+                                    </p:set>
+                                    <p:animEffect transition="in" filter="fade">
+                                      <p:cBhvr>
+                                        <p:cTn id="7" dur="500"/>
+                                        <p:tgtEl>
+                                          <p:spTgt spid="1276931"/>
+                                        </p:tgtEl>
+                                      </p:cBhvr>
+                                    </p:animEffect>
+                                  </p:childTnLst>
+                                </p:cTn>
+                              </p:par>
+                            </p:childTnLst>
+                          </p:cTn>
+                        </p:par>
+                      </p:childTnLst>
+                    </p:cTn>
+                  </p:par>
+                </p:childTnLst>
+              </p:cTn>
+              <p:prevCondLst>
+                <p:cond evt="onPrev" delay="0">
+                  <p:tgtEl>
+                    <p:sldTgt/>
+                  </p:tgtEl>
+                </p:cond>
+              </p:prevCondLst>
+              <p:nextCondLst>
+                <p:cond evt="onNext" delay="0">
+                  <p:tgtEl>
+                    <p:sldTgt/>
+                  </p:tgtEl>
+                </p:cond>
+              </p:nextCondLst>
+            </p:seq>
+          </p:childTnLst>
+        </p:cTn>
+      </p:par>
+    </p:tnLst>
+  </p:timing>
 </p:sld>
 </file>
 
